--- a/files/test.pptx
+++ b/files/test.pptx
@@ -2929,19 +2929,17 @@
           <a:bodyPr/>
           <a:p>
             <a:r>
-              <a:rPr lang="en-US" altLang="zh-CN"/>
-              <a:t>test</a:t>
-            </a:r>
-            <a:endParaRPr lang="en-US" altLang="zh-CN"/>
-          </a:p>
-        </p:txBody>
-      </p:sp>
-      <p:sp>
-        <p:nvSpPr>
-          <p:cNvPr id="3" name="副标题 2"/>
-          <p:cNvSpPr>
-            <a:spLocks noGrp="1"/>
-          </p:cNvSpPr>
+              <a:rPr lang="zh-CN" altLang="zh-CN"/>
+              <a:t>请下载查看</a:t>
+            </a:r>
+            <a:endParaRPr lang="zh-CN" altLang="zh-CN"/>
+          </a:p>
+        </p:txBody>
+      </p:sp>
+      <p:sp>
+        <p:nvSpPr>
+          <p:cNvPr id="4" name="副标题 3"/>
+          <p:cNvSpPr/>
           <p:nvPr>
             <p:ph type="subTitle" idx="1"/>
           </p:nvPr>
@@ -2950,11 +2948,7 @@
         <p:txBody>
           <a:bodyPr/>
           <a:p>
-            <a:r>
-              <a:rPr lang="en-US" altLang="zh-CN"/>
-              <a:t>test</a:t>
-            </a:r>
-            <a:endParaRPr lang="en-US" altLang="zh-CN"/>
+            <a:endParaRPr lang="zh-CN" altLang="en-US"/>
           </a:p>
         </p:txBody>
       </p:sp>
